--- a/gitflow.pptx
+++ b/gitflow.pptx
@@ -3836,6 +3836,53 @@
           </a:p>
         </p:txBody>
       </p:sp>
+      <p:pic>
+        <p:nvPicPr>
+          <p:cNvPr id="1030" name="Picture 6" descr="CI/CD Integration Document - Apptest.ai">
+            <a:extLst>
+              <a:ext uri="{FF2B5EF4-FFF2-40B4-BE49-F238E27FC236}">
+                <a16:creationId xmlns:a16="http://schemas.microsoft.com/office/drawing/2014/main" id="{84C24313-0010-46A0-95C2-F88F19AA3FD4}"/>
+              </a:ext>
+            </a:extLst>
+          </p:cNvPr>
+          <p:cNvPicPr>
+            <a:picLocks noChangeAspect="1" noChangeArrowheads="1"/>
+          </p:cNvPicPr>
+          <p:nvPr/>
+        </p:nvPicPr>
+        <p:blipFill>
+          <a:blip r:embed="rId3">
+            <a:extLst>
+              <a:ext uri="{28A0092B-C50C-407E-A947-70E740481C1C}">
+                <a14:useLocalDpi xmlns:a14="http://schemas.microsoft.com/office/drawing/2010/main" val="0"/>
+              </a:ext>
+            </a:extLst>
+          </a:blip>
+          <a:srcRect/>
+          <a:stretch>
+            <a:fillRect/>
+          </a:stretch>
+        </p:blipFill>
+        <p:spPr bwMode="auto">
+          <a:xfrm>
+            <a:off x="573881" y="3338512"/>
+            <a:ext cx="728663" cy="728663"/>
+          </a:xfrm>
+          <a:prstGeom prst="rect">
+            <a:avLst/>
+          </a:prstGeom>
+          <a:noFill/>
+          <a:extLst>
+            <a:ext uri="{909E8E84-426E-40DD-AFC4-6F175D3DCCD1}">
+              <a14:hiddenFill xmlns:a14="http://schemas.microsoft.com/office/drawing/2010/main">
+                <a:solidFill>
+                  <a:srgbClr val="FFFFFF"/>
+                </a:solidFill>
+              </a14:hiddenFill>
+            </a:ext>
+          </a:extLst>
+        </p:spPr>
+      </p:pic>
     </p:spTree>
     <p:extLst>
       <p:ext uri="{BB962C8B-B14F-4D97-AF65-F5344CB8AC3E}">

--- a/gitflow.pptx
+++ b/gitflow.pptx
@@ -104,6 +104,11 @@
       </a:defRPr>
     </a:lvl9pPr>
   </p:defaultTextStyle>
+  <p:extLst>
+    <p:ext uri="{EFAFB233-063F-42B5-8137-9DF3F51BA10A}">
+      <p15:sldGuideLst xmlns:p15="http://schemas.microsoft.com/office/powerpoint/2012/main"/>
+    </p:ext>
+  </p:extLst>
 </p:presentation>
 </file>
 
@@ -3344,10 +3349,10 @@
       </p:grpSpPr>
       <p:pic>
         <p:nvPicPr>
-          <p:cNvPr id="1026" name="Picture 2">
-            <a:extLst>
-              <a:ext uri="{FF2B5EF4-FFF2-40B4-BE49-F238E27FC236}">
-                <a16:creationId xmlns:a16="http://schemas.microsoft.com/office/drawing/2014/main" id="{7B1CC796-753D-489A-A92B-EF629D25E3E7}"/>
+          <p:cNvPr id="1032" name="Picture 8" descr="Jenkins migrates its infrastructure onto Microsoft Azure - SiliconANGLE">
+            <a:extLst>
+              <a:ext uri="{FF2B5EF4-FFF2-40B4-BE49-F238E27FC236}">
+                <a16:creationId xmlns:a16="http://schemas.microsoft.com/office/drawing/2014/main" id="{392C9795-086E-460C-9338-C4072DD8523D}"/>
               </a:ext>
             </a:extLst>
           </p:cNvPr>
@@ -3358,6 +3363,53 @@
         </p:nvPicPr>
         <p:blipFill>
           <a:blip r:embed="rId2">
+            <a:extLst>
+              <a:ext uri="{28A0092B-C50C-407E-A947-70E740481C1C}">
+                <a14:useLocalDpi xmlns:a14="http://schemas.microsoft.com/office/drawing/2010/main" val="0"/>
+              </a:ext>
+            </a:extLst>
+          </a:blip>
+          <a:srcRect/>
+          <a:stretch>
+            <a:fillRect/>
+          </a:stretch>
+        </p:blipFill>
+        <p:spPr bwMode="auto">
+          <a:xfrm>
+            <a:off x="343492" y="3694274"/>
+            <a:ext cx="1220636" cy="528638"/>
+          </a:xfrm>
+          <a:prstGeom prst="rect">
+            <a:avLst/>
+          </a:prstGeom>
+          <a:noFill/>
+          <a:extLst>
+            <a:ext uri="{909E8E84-426E-40DD-AFC4-6F175D3DCCD1}">
+              <a14:hiddenFill xmlns:a14="http://schemas.microsoft.com/office/drawing/2010/main">
+                <a:solidFill>
+                  <a:srgbClr val="FFFFFF"/>
+                </a:solidFill>
+              </a14:hiddenFill>
+            </a:ext>
+          </a:extLst>
+        </p:spPr>
+      </p:pic>
+      <p:pic>
+        <p:nvPicPr>
+          <p:cNvPr id="1026" name="Picture 2">
+            <a:extLst>
+              <a:ext uri="{FF2B5EF4-FFF2-40B4-BE49-F238E27FC236}">
+                <a16:creationId xmlns:a16="http://schemas.microsoft.com/office/drawing/2014/main" id="{7B1CC796-753D-489A-A92B-EF629D25E3E7}"/>
+              </a:ext>
+            </a:extLst>
+          </p:cNvPr>
+          <p:cNvPicPr>
+            <a:picLocks noChangeAspect="1" noChangeArrowheads="1"/>
+          </p:cNvPicPr>
+          <p:nvPr/>
+        </p:nvPicPr>
+        <p:blipFill>
+          <a:blip r:embed="rId3">
             <a:extLst>
               <a:ext uri="{28A0092B-C50C-407E-A947-70E740481C1C}">
                 <a14:useLocalDpi xmlns:a14="http://schemas.microsoft.com/office/drawing/2010/main" val="0"/>
@@ -3403,7 +3455,7 @@
         </p:nvGrpSpPr>
         <p:grpSpPr>
           <a:xfrm>
-            <a:off x="4848225" y="3111571"/>
+            <a:off x="4657725" y="3529968"/>
             <a:ext cx="466725" cy="404328"/>
             <a:chOff x="1790700" y="2486025"/>
             <a:chExt cx="466725" cy="404328"/>
@@ -3496,7 +3548,7 @@
             <a:p>
               <a:r>
                 <a:rPr lang="en-GB" dirty="0"/>
-                <a:t>3</a:t>
+                <a:t>4</a:t>
               </a:r>
             </a:p>
           </p:txBody>
@@ -3516,7 +3568,7 @@
         </p:nvGrpSpPr>
         <p:grpSpPr>
           <a:xfrm>
-            <a:off x="4089639" y="2837729"/>
+            <a:off x="3334241" y="2926905"/>
             <a:ext cx="466725" cy="404328"/>
             <a:chOff x="1790700" y="2486025"/>
             <a:chExt cx="466725" cy="404328"/>
@@ -3609,7 +3661,7 @@
             <a:p>
               <a:r>
                 <a:rPr lang="en-GB" dirty="0"/>
-                <a:t>2</a:t>
+                <a:t>3</a:t>
               </a:r>
             </a:p>
           </p:txBody>
@@ -3630,9 +3682,9 @@
         <p:grpSpPr>
           <a:xfrm>
             <a:off x="4010025" y="1619250"/>
-            <a:ext cx="466725" cy="381000"/>
+            <a:ext cx="466725" cy="404328"/>
             <a:chOff x="1790700" y="2486025"/>
-            <a:chExt cx="466725" cy="381000"/>
+            <a:chExt cx="466725" cy="404328"/>
           </a:xfrm>
         </p:grpSpPr>
         <p:sp>
@@ -3704,7 +3756,7 @@
           <p:spPr>
             <a:xfrm>
               <a:off x="1884603" y="2521021"/>
-              <a:ext cx="278917" cy="321158"/>
+              <a:ext cx="301686" cy="369332"/>
             </a:xfrm>
             <a:prstGeom prst="rect">
               <a:avLst/>
@@ -3722,7 +3774,7 @@
             <a:p>
               <a:r>
                 <a:rPr lang="en-GB" dirty="0"/>
-                <a:t>1</a:t>
+                <a:t>2</a:t>
               </a:r>
             </a:p>
           </p:txBody>
@@ -3742,7 +3794,7 @@
         </p:nvSpPr>
         <p:spPr>
           <a:xfrm>
-            <a:off x="590550" y="4067175"/>
+            <a:off x="597474" y="4129385"/>
             <a:ext cx="1657349" cy="1219200"/>
           </a:xfrm>
           <a:prstGeom prst="wedgeRoundRectCallout">
@@ -3838,10 +3890,10 @@
       </p:sp>
       <p:pic>
         <p:nvPicPr>
-          <p:cNvPr id="1030" name="Picture 6" descr="CI/CD Integration Document - Apptest.ai">
-            <a:extLst>
-              <a:ext uri="{FF2B5EF4-FFF2-40B4-BE49-F238E27FC236}">
-                <a16:creationId xmlns:a16="http://schemas.microsoft.com/office/drawing/2014/main" id="{84C24313-0010-46A0-95C2-F88F19AA3FD4}"/>
+          <p:cNvPr id="2" name="Picture 2" descr="SonarQube - Eclipsepedia">
+            <a:extLst>
+              <a:ext uri="{FF2B5EF4-FFF2-40B4-BE49-F238E27FC236}">
+                <a16:creationId xmlns:a16="http://schemas.microsoft.com/office/drawing/2014/main" id="{CD30AF20-ED43-4E32-B1ED-928393886D66}"/>
               </a:ext>
             </a:extLst>
           </p:cNvPr>
@@ -3851,7 +3903,7 @@
           <p:nvPr/>
         </p:nvPicPr>
         <p:blipFill>
-          <a:blip r:embed="rId3">
+          <a:blip r:embed="rId4">
             <a:extLst>
               <a:ext uri="{28A0092B-C50C-407E-A947-70E740481C1C}">
                 <a14:useLocalDpi xmlns:a14="http://schemas.microsoft.com/office/drawing/2010/main" val="0"/>
@@ -3865,8 +3917,8 @@
         </p:blipFill>
         <p:spPr bwMode="auto">
           <a:xfrm>
-            <a:off x="573881" y="3338512"/>
-            <a:ext cx="728663" cy="728663"/>
+            <a:off x="9277099" y="3764465"/>
+            <a:ext cx="1388873" cy="364920"/>
           </a:xfrm>
           <a:prstGeom prst="rect">
             <a:avLst/>
@@ -3883,6 +3935,227 @@
           </a:extLst>
         </p:spPr>
       </p:pic>
+      <p:sp>
+        <p:nvSpPr>
+          <p:cNvPr id="16" name="Sprechblase: rechteckig mit abgerundeten Ecken 15">
+            <a:extLst>
+              <a:ext uri="{FF2B5EF4-FFF2-40B4-BE49-F238E27FC236}">
+                <a16:creationId xmlns:a16="http://schemas.microsoft.com/office/drawing/2014/main" id="{69CA00FC-CC6F-4D5A-A12E-178F9B12BDB7}"/>
+              </a:ext>
+            </a:extLst>
+          </p:cNvPr>
+          <p:cNvSpPr/>
+          <p:nvPr/>
+        </p:nvSpPr>
+        <p:spPr>
+          <a:xfrm>
+            <a:off x="8455599" y="4129385"/>
+            <a:ext cx="1657349" cy="1219200"/>
+          </a:xfrm>
+          <a:prstGeom prst="wedgeRoundRectCallout">
+            <a:avLst>
+              <a:gd name="adj1" fmla="val -238063"/>
+              <a:gd name="adj2" fmla="val -76246"/>
+              <a:gd name="adj3" fmla="val 16667"/>
+            </a:avLst>
+          </a:prstGeom>
+          <a:solidFill>
+            <a:schemeClr val="bg1"/>
+          </a:solidFill>
+          <a:ln w="28575">
+            <a:solidFill>
+              <a:srgbClr val="FF0000"/>
+            </a:solidFill>
+          </a:ln>
+        </p:spPr>
+        <p:style>
+          <a:lnRef idx="2">
+            <a:schemeClr val="accent1">
+              <a:shade val="50000"/>
+            </a:schemeClr>
+          </a:lnRef>
+          <a:fillRef idx="1">
+            <a:schemeClr val="accent1"/>
+          </a:fillRef>
+          <a:effectRef idx="0">
+            <a:schemeClr val="accent1"/>
+          </a:effectRef>
+          <a:fontRef idx="minor">
+            <a:schemeClr val="lt1"/>
+          </a:fontRef>
+        </p:style>
+        <p:txBody>
+          <a:bodyPr rtlCol="0" anchor="ctr"/>
+          <a:lstStyle/>
+          <a:p>
+            <a:pPr algn="ctr"/>
+            <a:endParaRPr lang="en-GB"/>
+          </a:p>
+        </p:txBody>
+      </p:sp>
+      <p:sp>
+        <p:nvSpPr>
+          <p:cNvPr id="17" name="Textfeld 16">
+            <a:extLst>
+              <a:ext uri="{FF2B5EF4-FFF2-40B4-BE49-F238E27FC236}">
+                <a16:creationId xmlns:a16="http://schemas.microsoft.com/office/drawing/2014/main" id="{407B424A-6F67-4D92-85BD-BEBCEA7581B7}"/>
+              </a:ext>
+            </a:extLst>
+          </p:cNvPr>
+          <p:cNvSpPr txBox="1"/>
+          <p:nvPr/>
+        </p:nvSpPr>
+        <p:spPr>
+          <a:xfrm>
+            <a:off x="8543484" y="4277320"/>
+            <a:ext cx="1495089" cy="923330"/>
+          </a:xfrm>
+          <a:prstGeom prst="rect">
+            <a:avLst/>
+          </a:prstGeom>
+          <a:noFill/>
+        </p:spPr>
+        <p:txBody>
+          <a:bodyPr wrap="none" rtlCol="0">
+            <a:spAutoFit/>
+          </a:bodyPr>
+          <a:lstStyle/>
+          <a:p>
+            <a:pPr algn="ctr"/>
+            <a:r>
+              <a:rPr lang="en-GB" b="1" dirty="0"/>
+              <a:t>Q&amp;A</a:t>
+            </a:r>
+          </a:p>
+          <a:p>
+            <a:pPr algn="ctr"/>
+            <a:r>
+              <a:rPr lang="en-GB" b="1" dirty="0"/>
+              <a:t>Test Coverage</a:t>
+            </a:r>
+          </a:p>
+          <a:p>
+            <a:pPr algn="ctr"/>
+            <a:r>
+              <a:rPr lang="en-GB" b="1" dirty="0"/>
+              <a:t>Clean Code</a:t>
+            </a:r>
+          </a:p>
+        </p:txBody>
+      </p:sp>
+      <p:grpSp>
+        <p:nvGrpSpPr>
+          <p:cNvPr id="18" name="Gruppieren 17">
+            <a:extLst>
+              <a:ext uri="{FF2B5EF4-FFF2-40B4-BE49-F238E27FC236}">
+                <a16:creationId xmlns:a16="http://schemas.microsoft.com/office/drawing/2014/main" id="{F7B38155-D7E3-4D0C-AF54-0D22D9CF47F7}"/>
+              </a:ext>
+            </a:extLst>
+          </p:cNvPr>
+          <p:cNvGrpSpPr/>
+          <p:nvPr/>
+        </p:nvGrpSpPr>
+        <p:grpSpPr>
+          <a:xfrm>
+            <a:off x="6303991" y="512798"/>
+            <a:ext cx="466725" cy="381000"/>
+            <a:chOff x="1790700" y="2486025"/>
+            <a:chExt cx="466725" cy="381000"/>
+          </a:xfrm>
+        </p:grpSpPr>
+        <p:sp>
+          <p:nvSpPr>
+            <p:cNvPr id="26" name="Ellipse 25">
+              <a:extLst>
+                <a:ext uri="{FF2B5EF4-FFF2-40B4-BE49-F238E27FC236}">
+                  <a16:creationId xmlns:a16="http://schemas.microsoft.com/office/drawing/2014/main" id="{6C94360A-D832-4C3B-868E-C966AB47784C}"/>
+                </a:ext>
+              </a:extLst>
+            </p:cNvPr>
+            <p:cNvSpPr/>
+            <p:nvPr/>
+          </p:nvSpPr>
+          <p:spPr>
+            <a:xfrm>
+              <a:off x="1790700" y="2486025"/>
+              <a:ext cx="466725" cy="381000"/>
+            </a:xfrm>
+            <a:prstGeom prst="ellipse">
+              <a:avLst/>
+            </a:prstGeom>
+            <a:solidFill>
+              <a:schemeClr val="bg1"/>
+            </a:solidFill>
+            <a:ln w="28575">
+              <a:solidFill>
+                <a:srgbClr val="FF0000"/>
+              </a:solidFill>
+            </a:ln>
+          </p:spPr>
+          <p:style>
+            <a:lnRef idx="2">
+              <a:schemeClr val="accent1">
+                <a:shade val="50000"/>
+              </a:schemeClr>
+            </a:lnRef>
+            <a:fillRef idx="1">
+              <a:schemeClr val="accent1"/>
+            </a:fillRef>
+            <a:effectRef idx="0">
+              <a:schemeClr val="accent1"/>
+            </a:effectRef>
+            <a:fontRef idx="minor">
+              <a:schemeClr val="lt1"/>
+            </a:fontRef>
+          </p:style>
+          <p:txBody>
+            <a:bodyPr rtlCol="0" anchor="ctr"/>
+            <a:lstStyle/>
+            <a:p>
+              <a:pPr algn="ctr"/>
+              <a:endParaRPr lang="en-GB"/>
+            </a:p>
+          </p:txBody>
+        </p:sp>
+        <p:sp>
+          <p:nvSpPr>
+            <p:cNvPr id="27" name="Textfeld 26">
+              <a:extLst>
+                <a:ext uri="{FF2B5EF4-FFF2-40B4-BE49-F238E27FC236}">
+                  <a16:creationId xmlns:a16="http://schemas.microsoft.com/office/drawing/2014/main" id="{BDF48EFF-3BA1-43D7-AC9A-0ECB67CEAB4B}"/>
+                </a:ext>
+              </a:extLst>
+            </p:cNvPr>
+            <p:cNvSpPr txBox="1"/>
+            <p:nvPr/>
+          </p:nvSpPr>
+          <p:spPr>
+            <a:xfrm>
+              <a:off x="1884603" y="2521021"/>
+              <a:ext cx="278917" cy="321158"/>
+            </a:xfrm>
+            <a:prstGeom prst="rect">
+              <a:avLst/>
+            </a:prstGeom>
+            <a:noFill/>
+            <a:ln>
+              <a:noFill/>
+            </a:ln>
+          </p:spPr>
+          <p:txBody>
+            <a:bodyPr wrap="none" rtlCol="0">
+              <a:spAutoFit/>
+            </a:bodyPr>
+            <a:lstStyle/>
+            <a:p>
+              <a:r>
+                <a:rPr lang="en-GB" dirty="0"/>
+                <a:t>1</a:t>
+              </a:r>
+            </a:p>
+          </p:txBody>
+        </p:sp>
+      </p:grpSp>
     </p:spTree>
     <p:extLst>
       <p:ext uri="{BB962C8B-B14F-4D97-AF65-F5344CB8AC3E}">

--- a/gitflow.pptx
+++ b/gitflow.pptx
@@ -3376,8 +3376,8 @@
         </p:blipFill>
         <p:spPr bwMode="auto">
           <a:xfrm>
-            <a:off x="343492" y="3694274"/>
-            <a:ext cx="1220636" cy="528638"/>
+            <a:off x="260263" y="3694274"/>
+            <a:ext cx="1361015" cy="528638"/>
           </a:xfrm>
           <a:prstGeom prst="rect">
             <a:avLst/>
